--- a/files/teaching-resources/monmouthcollege-econ-301/econ-301-final/ECON301-S2025-Final-RECAP.pptx
+++ b/files/teaching-resources/monmouthcollege-econ-301/econ-301-final/ECON301-S2025-Final-RECAP.pptx
@@ -212,7 +212,7 @@
           <a:p>
             <a:fld id="{0E0A6441-4E79-42FF-805B-86C90BDFD38D}" type="datetimeFigureOut">
               <a:rPr lang="en-US" smtClean="0"/>
-              <a:t>5/4/2025</a:t>
+              <a:t>6/20/2025</a:t>
             </a:fld>
             <a:endParaRPr lang="en-US" dirty="0"/>
           </a:p>
@@ -4683,8 +4683,8 @@
             </a:p>
           </p:txBody>
         </p:sp>
-        <mc:AlternateContent xmlns:mc="http://schemas.openxmlformats.org/markup-compatibility/2006">
-          <mc:Choice xmlns:a14="http://schemas.microsoft.com/office/drawing/2010/main" Requires="a14">
+        <mc:AlternateContent xmlns:mc="http://schemas.openxmlformats.org/markup-compatibility/2006" xmlns:a14="http://schemas.microsoft.com/office/drawing/2010/main">
+          <mc:Choice Requires="a14">
             <p:sp>
               <p:nvSpPr>
                 <p:cNvPr id="14" name="TextBox 13">
@@ -4741,7 +4741,7 @@
               </p:txBody>
             </p:sp>
           </mc:Choice>
-          <mc:Fallback>
+          <mc:Fallback xmlns="">
             <p:sp>
               <p:nvSpPr>
                 <p:cNvPr id="14" name="TextBox 13">
@@ -5294,8 +5294,8 @@
             </p:sp>
           </mc:Fallback>
         </mc:AlternateContent>
-        <mc:AlternateContent xmlns:mc="http://schemas.openxmlformats.org/markup-compatibility/2006">
-          <mc:Choice xmlns:a14="http://schemas.microsoft.com/office/drawing/2010/main" Requires="a14">
+        <mc:AlternateContent xmlns:mc="http://schemas.openxmlformats.org/markup-compatibility/2006" xmlns:a14="http://schemas.microsoft.com/office/drawing/2010/main">
+          <mc:Choice Requires="a14">
             <p:sp>
               <p:nvSpPr>
                 <p:cNvPr id="16" name="TextBox 15">
@@ -5352,7 +5352,7 @@
               </p:txBody>
             </p:sp>
           </mc:Choice>
-          <mc:Fallback>
+          <mc:Fallback xmlns="">
             <p:sp>
               <p:nvSpPr>
                 <p:cNvPr id="16" name="TextBox 15">
@@ -5761,8 +5761,8 @@
             </a:p>
           </p:txBody>
         </p:sp>
-        <mc:AlternateContent xmlns:mc="http://schemas.openxmlformats.org/markup-compatibility/2006">
-          <mc:Choice xmlns:a14="http://schemas.microsoft.com/office/drawing/2010/main" Requires="a14">
+        <mc:AlternateContent xmlns:mc="http://schemas.openxmlformats.org/markup-compatibility/2006" xmlns:a14="http://schemas.microsoft.com/office/drawing/2010/main">
+          <mc:Choice Requires="a14">
             <p:sp>
               <p:nvSpPr>
                 <p:cNvPr id="27" name="TextBox 26">
@@ -5831,7 +5831,7 @@
               </p:txBody>
             </p:sp>
           </mc:Choice>
-          <mc:Fallback>
+          <mc:Fallback xmlns="">
             <p:sp>
               <p:nvSpPr>
                 <p:cNvPr id="27" name="TextBox 26">
@@ -5876,8 +5876,8 @@
             </p:sp>
           </mc:Fallback>
         </mc:AlternateContent>
-        <mc:AlternateContent xmlns:mc="http://schemas.openxmlformats.org/markup-compatibility/2006">
-          <mc:Choice xmlns:a14="http://schemas.microsoft.com/office/drawing/2010/main" Requires="a14">
+        <mc:AlternateContent xmlns:mc="http://schemas.openxmlformats.org/markup-compatibility/2006" xmlns:a14="http://schemas.microsoft.com/office/drawing/2010/main">
+          <mc:Choice Requires="a14">
             <p:sp>
               <p:nvSpPr>
                 <p:cNvPr id="28" name="TextBox 27">
@@ -5927,7 +5927,7 @@
               </p:txBody>
             </p:sp>
           </mc:Choice>
-          <mc:Fallback>
+          <mc:Fallback xmlns="">
             <p:sp>
               <p:nvSpPr>
                 <p:cNvPr id="28" name="TextBox 27">
@@ -5972,8 +5972,8 @@
             </p:sp>
           </mc:Fallback>
         </mc:AlternateContent>
-        <mc:AlternateContent xmlns:mc="http://schemas.openxmlformats.org/markup-compatibility/2006">
-          <mc:Choice xmlns:a14="http://schemas.microsoft.com/office/drawing/2010/main" Requires="a14">
+        <mc:AlternateContent xmlns:mc="http://schemas.openxmlformats.org/markup-compatibility/2006" xmlns:a14="http://schemas.microsoft.com/office/drawing/2010/main">
+          <mc:Choice Requires="a14">
             <p:sp>
               <p:nvSpPr>
                 <p:cNvPr id="29" name="TextBox 28">
@@ -6023,7 +6023,7 @@
               </p:txBody>
             </p:sp>
           </mc:Choice>
-          <mc:Fallback>
+          <mc:Fallback xmlns="">
             <p:sp>
               <p:nvSpPr>
                 <p:cNvPr id="29" name="TextBox 28">
@@ -6323,8 +6323,8 @@
             </a:p>
           </p:txBody>
         </p:sp>
-        <mc:AlternateContent xmlns:mc="http://schemas.openxmlformats.org/markup-compatibility/2006">
-          <mc:Choice xmlns:a14="http://schemas.microsoft.com/office/drawing/2010/main" Requires="a14">
+        <mc:AlternateContent xmlns:mc="http://schemas.openxmlformats.org/markup-compatibility/2006" xmlns:a14="http://schemas.microsoft.com/office/drawing/2010/main">
+          <mc:Choice Requires="a14">
             <p:sp>
               <p:nvSpPr>
                 <p:cNvPr id="44" name="TextBox 43">
@@ -6374,7 +6374,7 @@
               </p:txBody>
             </p:sp>
           </mc:Choice>
-          <mc:Fallback>
+          <mc:Fallback xmlns="">
             <p:sp>
               <p:nvSpPr>
                 <p:cNvPr id="44" name="TextBox 43">
@@ -6707,8 +6707,8 @@
             </a:p>
           </p:txBody>
         </p:sp>
-        <mc:AlternateContent xmlns:mc="http://schemas.openxmlformats.org/markup-compatibility/2006">
-          <mc:Choice xmlns:a14="http://schemas.microsoft.com/office/drawing/2010/main" Requires="a14">
+        <mc:AlternateContent xmlns:mc="http://schemas.openxmlformats.org/markup-compatibility/2006" xmlns:a14="http://schemas.microsoft.com/office/drawing/2010/main">
+          <mc:Choice Requires="a14">
             <p:sp>
               <p:nvSpPr>
                 <p:cNvPr id="21" name="TextBox 20">
@@ -6799,7 +6799,7 @@
               </p:txBody>
             </p:sp>
           </mc:Choice>
-          <mc:Fallback>
+          <mc:Fallback xmlns="">
             <p:sp>
               <p:nvSpPr>
                 <p:cNvPr id="21" name="TextBox 20">
@@ -6898,8 +6898,8 @@
             </a:p>
           </p:txBody>
         </p:sp>
-        <mc:AlternateContent xmlns:mc="http://schemas.openxmlformats.org/markup-compatibility/2006">
-          <mc:Choice xmlns:a14="http://schemas.microsoft.com/office/drawing/2010/main" Requires="a14">
+        <mc:AlternateContent xmlns:mc="http://schemas.openxmlformats.org/markup-compatibility/2006" xmlns:a14="http://schemas.microsoft.com/office/drawing/2010/main">
+          <mc:Choice Requires="a14">
             <p:sp>
               <p:nvSpPr>
                 <p:cNvPr id="34" name="TextBox 33">
@@ -6949,7 +6949,7 @@
               </p:txBody>
             </p:sp>
           </mc:Choice>
-          <mc:Fallback>
+          <mc:Fallback xmlns="">
             <p:sp>
               <p:nvSpPr>
                 <p:cNvPr id="34" name="TextBox 33">
@@ -6994,8 +6994,8 @@
             </p:sp>
           </mc:Fallback>
         </mc:AlternateContent>
-        <mc:AlternateContent xmlns:mc="http://schemas.openxmlformats.org/markup-compatibility/2006">
-          <mc:Choice xmlns:a14="http://schemas.microsoft.com/office/drawing/2010/main" Requires="a14">
+        <mc:AlternateContent xmlns:mc="http://schemas.openxmlformats.org/markup-compatibility/2006" xmlns:a14="http://schemas.microsoft.com/office/drawing/2010/main">
+          <mc:Choice Requires="a14">
             <p:sp>
               <p:nvSpPr>
                 <p:cNvPr id="46" name="TextBox 45">
@@ -7072,7 +7072,7 @@
               </p:txBody>
             </p:sp>
           </mc:Choice>
-          <mc:Fallback>
+          <mc:Fallback xmlns="">
             <p:sp>
               <p:nvSpPr>
                 <p:cNvPr id="46" name="TextBox 45">
@@ -7192,8 +7192,8 @@
             </a:p>
           </p:txBody>
         </p:sp>
-        <mc:AlternateContent xmlns:mc="http://schemas.openxmlformats.org/markup-compatibility/2006">
-          <mc:Choice xmlns:a14="http://schemas.microsoft.com/office/drawing/2010/main" Requires="a14">
+        <mc:AlternateContent xmlns:mc="http://schemas.openxmlformats.org/markup-compatibility/2006" xmlns:a14="http://schemas.microsoft.com/office/drawing/2010/main">
+          <mc:Choice Requires="a14">
             <p:sp>
               <p:nvSpPr>
                 <p:cNvPr id="52" name="TextBox 51">
@@ -7243,7 +7243,7 @@
               </p:txBody>
             </p:sp>
           </mc:Choice>
-          <mc:Fallback>
+          <mc:Fallback xmlns="">
             <p:sp>
               <p:nvSpPr>
                 <p:cNvPr id="52" name="TextBox 51">
@@ -8852,8 +8852,8 @@
             </a:fontRef>
           </p:style>
         </p:cxnSp>
-        <mc:AlternateContent xmlns:mc="http://schemas.openxmlformats.org/markup-compatibility/2006">
-          <mc:Choice xmlns:a14="http://schemas.microsoft.com/office/drawing/2010/main" Requires="a14">
+        <mc:AlternateContent xmlns:mc="http://schemas.openxmlformats.org/markup-compatibility/2006" xmlns:a14="http://schemas.microsoft.com/office/drawing/2010/main">
+          <mc:Choice Requires="a14">
             <p:sp>
               <p:nvSpPr>
                 <p:cNvPr id="9" name="TextBox 8">
@@ -8901,7 +8901,7 @@
               </p:txBody>
             </p:sp>
           </mc:Choice>
-          <mc:Fallback>
+          <mc:Fallback xmlns="">
             <p:sp>
               <p:nvSpPr>
                 <p:cNvPr id="9" name="TextBox 8">
@@ -8946,8 +8946,8 @@
             </p:sp>
           </mc:Fallback>
         </mc:AlternateContent>
-        <mc:AlternateContent xmlns:mc="http://schemas.openxmlformats.org/markup-compatibility/2006">
-          <mc:Choice xmlns:a14="http://schemas.microsoft.com/office/drawing/2010/main" Requires="a14">
+        <mc:AlternateContent xmlns:mc="http://schemas.openxmlformats.org/markup-compatibility/2006" xmlns:a14="http://schemas.microsoft.com/office/drawing/2010/main">
+          <mc:Choice Requires="a14">
             <p:sp>
               <p:nvSpPr>
                 <p:cNvPr id="10" name="TextBox 9">
@@ -8976,6 +8976,7 @@
                 </a:bodyPr>
                 <a:lstStyle/>
                 <a:p>
+                  <a:pPr/>
                   <a14:m>
                     <m:oMathPara xmlns:m="http://schemas.openxmlformats.org/officeDocument/2006/math">
                       <m:oMathParaPr>
@@ -8996,7 +8997,7 @@
               </p:txBody>
             </p:sp>
           </mc:Choice>
-          <mc:Fallback>
+          <mc:Fallback xmlns="">
             <p:sp>
               <p:nvSpPr>
                 <p:cNvPr id="10" name="TextBox 9">
@@ -9127,8 +9128,8 @@
             </a:fontRef>
           </p:style>
         </p:cxnSp>
-        <mc:AlternateContent xmlns:mc="http://schemas.openxmlformats.org/markup-compatibility/2006">
-          <mc:Choice xmlns:a14="http://schemas.microsoft.com/office/drawing/2010/main" Requires="a14">
+        <mc:AlternateContent xmlns:mc="http://schemas.openxmlformats.org/markup-compatibility/2006" xmlns:a14="http://schemas.microsoft.com/office/drawing/2010/main">
+          <mc:Choice Requires="a14">
             <p:sp>
               <p:nvSpPr>
                 <p:cNvPr id="13" name="TextBox 12">
@@ -9176,7 +9177,7 @@
               </p:txBody>
             </p:sp>
           </mc:Choice>
-          <mc:Fallback>
+          <mc:Fallback xmlns="">
             <p:sp>
               <p:nvSpPr>
                 <p:cNvPr id="13" name="TextBox 12">
@@ -9221,8 +9222,8 @@
             </p:sp>
           </mc:Fallback>
         </mc:AlternateContent>
-        <mc:AlternateContent xmlns:mc="http://schemas.openxmlformats.org/markup-compatibility/2006">
-          <mc:Choice xmlns:a14="http://schemas.microsoft.com/office/drawing/2010/main" Requires="a14">
+        <mc:AlternateContent xmlns:mc="http://schemas.openxmlformats.org/markup-compatibility/2006" xmlns:a14="http://schemas.microsoft.com/office/drawing/2010/main">
+          <mc:Choice Requires="a14">
             <p:sp>
               <p:nvSpPr>
                 <p:cNvPr id="14" name="TextBox 13">
@@ -9251,6 +9252,7 @@
                 </a:bodyPr>
                 <a:lstStyle/>
                 <a:p>
+                  <a:pPr/>
                   <a14:m>
                     <m:oMathPara xmlns:m="http://schemas.openxmlformats.org/officeDocument/2006/math">
                       <m:oMathParaPr>
@@ -9271,7 +9273,7 @@
               </p:txBody>
             </p:sp>
           </mc:Choice>
-          <mc:Fallback>
+          <mc:Fallback xmlns="">
             <p:sp>
               <p:nvSpPr>
                 <p:cNvPr id="14" name="TextBox 13">
@@ -9359,8 +9361,8 @@
             </a:fontRef>
           </p:style>
         </p:cxnSp>
-        <mc:AlternateContent xmlns:mc="http://schemas.openxmlformats.org/markup-compatibility/2006">
-          <mc:Choice xmlns:a14="http://schemas.microsoft.com/office/drawing/2010/main" Requires="a14">
+        <mc:AlternateContent xmlns:mc="http://schemas.openxmlformats.org/markup-compatibility/2006" xmlns:a14="http://schemas.microsoft.com/office/drawing/2010/main">
+          <mc:Choice Requires="a14">
             <p:sp>
               <p:nvSpPr>
                 <p:cNvPr id="34" name="TextBox 33">
@@ -9417,7 +9419,7 @@
               </p:txBody>
             </p:sp>
           </mc:Choice>
-          <mc:Fallback>
+          <mc:Fallback xmlns="">
             <p:sp>
               <p:nvSpPr>
                 <p:cNvPr id="34" name="TextBox 33">
@@ -9505,8 +9507,8 @@
             </a:fontRef>
           </p:style>
         </p:cxnSp>
-        <mc:AlternateContent xmlns:mc="http://schemas.openxmlformats.org/markup-compatibility/2006">
-          <mc:Choice xmlns:a14="http://schemas.microsoft.com/office/drawing/2010/main" Requires="a14">
+        <mc:AlternateContent xmlns:mc="http://schemas.openxmlformats.org/markup-compatibility/2006" xmlns:a14="http://schemas.microsoft.com/office/drawing/2010/main">
+          <mc:Choice Requires="a14">
             <p:sp>
               <p:nvSpPr>
                 <p:cNvPr id="37" name="TextBox 36">
@@ -9563,7 +9565,7 @@
               </p:txBody>
             </p:sp>
           </mc:Choice>
-          <mc:Fallback>
+          <mc:Fallback xmlns="">
             <p:sp>
               <p:nvSpPr>
                 <p:cNvPr id="37" name="TextBox 36">
@@ -9608,8 +9610,8 @@
             </p:sp>
           </mc:Fallback>
         </mc:AlternateContent>
-        <mc:AlternateContent xmlns:mc="http://schemas.openxmlformats.org/markup-compatibility/2006">
-          <mc:Choice xmlns:a14="http://schemas.microsoft.com/office/drawing/2010/main" Requires="a14">
+        <mc:AlternateContent xmlns:mc="http://schemas.openxmlformats.org/markup-compatibility/2006" xmlns:a14="http://schemas.microsoft.com/office/drawing/2010/main">
+          <mc:Choice Requires="a14">
             <p:sp>
               <p:nvSpPr>
                 <p:cNvPr id="38" name="TextBox 37">
@@ -9671,7 +9673,7 @@
               </p:txBody>
             </p:sp>
           </mc:Choice>
-          <mc:Fallback>
+          <mc:Fallback xmlns="">
             <p:sp>
               <p:nvSpPr>
                 <p:cNvPr id="38" name="TextBox 37">
@@ -9814,8 +9816,8 @@
             </a:fontRef>
           </p:style>
         </p:cxnSp>
-        <mc:AlternateContent xmlns:mc="http://schemas.openxmlformats.org/markup-compatibility/2006">
-          <mc:Choice xmlns:a14="http://schemas.microsoft.com/office/drawing/2010/main" Requires="a14">
+        <mc:AlternateContent xmlns:mc="http://schemas.openxmlformats.org/markup-compatibility/2006" xmlns:a14="http://schemas.microsoft.com/office/drawing/2010/main">
+          <mc:Choice Requires="a14">
             <p:sp>
               <p:nvSpPr>
                 <p:cNvPr id="47" name="TextBox 46">
@@ -9865,7 +9867,7 @@
               </p:txBody>
             </p:sp>
           </mc:Choice>
-          <mc:Fallback>
+          <mc:Fallback xmlns="">
             <p:sp>
               <p:nvSpPr>
                 <p:cNvPr id="47" name="TextBox 46">
@@ -9951,8 +9953,8 @@
             </a:fontRef>
           </p:style>
         </p:cxnSp>
-        <mc:AlternateContent xmlns:mc="http://schemas.openxmlformats.org/markup-compatibility/2006">
-          <mc:Choice xmlns:a14="http://schemas.microsoft.com/office/drawing/2010/main" Requires="a14">
+        <mc:AlternateContent xmlns:mc="http://schemas.openxmlformats.org/markup-compatibility/2006" xmlns:a14="http://schemas.microsoft.com/office/drawing/2010/main">
+          <mc:Choice Requires="a14">
             <p:sp>
               <p:nvSpPr>
                 <p:cNvPr id="51" name="TextBox 50">
@@ -10045,7 +10047,7 @@
               </p:txBody>
             </p:sp>
           </mc:Choice>
-          <mc:Fallback>
+          <mc:Fallback xmlns="">
             <p:sp>
               <p:nvSpPr>
                 <p:cNvPr id="51" name="TextBox 50">
@@ -10134,8 +10136,8 @@
             </a:fontRef>
           </p:style>
         </p:cxnSp>
-        <mc:AlternateContent xmlns:mc="http://schemas.openxmlformats.org/markup-compatibility/2006">
-          <mc:Choice xmlns:a14="http://schemas.microsoft.com/office/drawing/2010/main" Requires="a14">
+        <mc:AlternateContent xmlns:mc="http://schemas.openxmlformats.org/markup-compatibility/2006" xmlns:a14="http://schemas.microsoft.com/office/drawing/2010/main">
+          <mc:Choice Requires="a14">
             <p:sp>
               <p:nvSpPr>
                 <p:cNvPr id="55" name="TextBox 54">
@@ -10185,7 +10187,7 @@
               </p:txBody>
             </p:sp>
           </mc:Choice>
-          <mc:Fallback>
+          <mc:Fallback xmlns="">
             <p:sp>
               <p:nvSpPr>
                 <p:cNvPr id="55" name="TextBox 54">
@@ -10438,8 +10440,8 @@
             </a:fontRef>
           </p:style>
         </p:cxnSp>
-        <mc:AlternateContent xmlns:mc="http://schemas.openxmlformats.org/markup-compatibility/2006">
-          <mc:Choice xmlns:a14="http://schemas.microsoft.com/office/drawing/2010/main" Requires="a14">
+        <mc:AlternateContent xmlns:mc="http://schemas.openxmlformats.org/markup-compatibility/2006" xmlns:a14="http://schemas.microsoft.com/office/drawing/2010/main">
+          <mc:Choice Requires="a14">
             <p:sp>
               <p:nvSpPr>
                 <p:cNvPr id="81" name="TextBox 80">
@@ -10530,7 +10532,7 @@
               </p:txBody>
             </p:sp>
           </mc:Choice>
-          <mc:Fallback>
+          <mc:Fallback xmlns="">
             <p:sp>
               <p:nvSpPr>
                 <p:cNvPr id="81" name="TextBox 80">
@@ -10575,8 +10577,8 @@
             </p:sp>
           </mc:Fallback>
         </mc:AlternateContent>
-        <mc:AlternateContent xmlns:mc="http://schemas.openxmlformats.org/markup-compatibility/2006">
-          <mc:Choice xmlns:a14="http://schemas.microsoft.com/office/drawing/2010/main" Requires="a14">
+        <mc:AlternateContent xmlns:mc="http://schemas.openxmlformats.org/markup-compatibility/2006" xmlns:a14="http://schemas.microsoft.com/office/drawing/2010/main">
+          <mc:Choice Requires="a14">
             <p:sp>
               <p:nvSpPr>
                 <p:cNvPr id="82" name="TextBox 81">
@@ -10657,7 +10659,7 @@
               </p:txBody>
             </p:sp>
           </mc:Choice>
-          <mc:Fallback>
+          <mc:Fallback xmlns="">
             <p:sp>
               <p:nvSpPr>
                 <p:cNvPr id="82" name="TextBox 81">
@@ -10801,8 +10803,8 @@
             </a:fontRef>
           </p:style>
         </p:cxnSp>
-        <mc:AlternateContent xmlns:mc="http://schemas.openxmlformats.org/markup-compatibility/2006">
-          <mc:Choice xmlns:a14="http://schemas.microsoft.com/office/drawing/2010/main" Requires="a14">
+        <mc:AlternateContent xmlns:mc="http://schemas.openxmlformats.org/markup-compatibility/2006" xmlns:a14="http://schemas.microsoft.com/office/drawing/2010/main">
+          <mc:Choice Requires="a14">
             <p:sp>
               <p:nvSpPr>
                 <p:cNvPr id="85" name="TextBox 84">
@@ -10871,7 +10873,7 @@
               </p:txBody>
             </p:sp>
           </mc:Choice>
-          <mc:Fallback>
+          <mc:Fallback xmlns="">
             <p:sp>
               <p:nvSpPr>
                 <p:cNvPr id="85" name="TextBox 84">
@@ -11051,8 +11053,8 @@
             </a:fontRef>
           </p:style>
         </p:cxnSp>
-        <mc:AlternateContent xmlns:mc="http://schemas.openxmlformats.org/markup-compatibility/2006">
-          <mc:Choice xmlns:a14="http://schemas.microsoft.com/office/drawing/2010/main" Requires="a14">
+        <mc:AlternateContent xmlns:mc="http://schemas.openxmlformats.org/markup-compatibility/2006" xmlns:a14="http://schemas.microsoft.com/office/drawing/2010/main">
+          <mc:Choice Requires="a14">
             <p:sp>
               <p:nvSpPr>
                 <p:cNvPr id="91" name="TextBox 90">
@@ -11121,7 +11123,7 @@
               </p:txBody>
             </p:sp>
           </mc:Choice>
-          <mc:Fallback>
+          <mc:Fallback xmlns="">
             <p:sp>
               <p:nvSpPr>
                 <p:cNvPr id="91" name="TextBox 90">
@@ -11221,8 +11223,8 @@
           </p:txBody>
         </p:sp>
       </p:grpSp>
-      <mc:AlternateContent xmlns:mc="http://schemas.openxmlformats.org/markup-compatibility/2006">
-        <mc:Choice xmlns:a14="http://schemas.microsoft.com/office/drawing/2010/main" Requires="a14">
+      <mc:AlternateContent xmlns:mc="http://schemas.openxmlformats.org/markup-compatibility/2006" xmlns:a14="http://schemas.microsoft.com/office/drawing/2010/main">
+        <mc:Choice Requires="a14">
           <p:sp>
             <p:nvSpPr>
               <p:cNvPr id="95" name="TextBox 94">
@@ -11272,7 +11274,7 @@
             </p:txBody>
           </p:sp>
         </mc:Choice>
-        <mc:Fallback>
+        <mc:Fallback xmlns="">
           <p:sp>
             <p:nvSpPr>
               <p:cNvPr id="95" name="TextBox 94">
@@ -11317,8 +11319,8 @@
           </p:sp>
         </mc:Fallback>
       </mc:AlternateContent>
-      <mc:AlternateContent xmlns:mc="http://schemas.openxmlformats.org/markup-compatibility/2006">
-        <mc:Choice xmlns:a14="http://schemas.microsoft.com/office/drawing/2010/main" Requires="a14">
+      <mc:AlternateContent xmlns:mc="http://schemas.openxmlformats.org/markup-compatibility/2006" xmlns:a14="http://schemas.microsoft.com/office/drawing/2010/main">
+        <mc:Choice Requires="a14">
           <p:sp>
             <p:nvSpPr>
               <p:cNvPr id="96" name="TextBox 95">
@@ -11368,7 +11370,7 @@
             </p:txBody>
           </p:sp>
         </mc:Choice>
-        <mc:Fallback>
+        <mc:Fallback xmlns="">
           <p:sp>
             <p:nvSpPr>
               <p:cNvPr id="96" name="TextBox 95">
@@ -11413,8 +11415,8 @@
           </p:sp>
         </mc:Fallback>
       </mc:AlternateContent>
-      <mc:AlternateContent xmlns:mc="http://schemas.openxmlformats.org/markup-compatibility/2006">
-        <mc:Choice xmlns:a14="http://schemas.microsoft.com/office/drawing/2010/main" Requires="a14">
+      <mc:AlternateContent xmlns:mc="http://schemas.openxmlformats.org/markup-compatibility/2006" xmlns:a14="http://schemas.microsoft.com/office/drawing/2010/main">
+        <mc:Choice Requires="a14">
           <p:sp>
             <p:nvSpPr>
               <p:cNvPr id="97" name="TextBox 96">
@@ -11464,7 +11466,7 @@
             </p:txBody>
           </p:sp>
         </mc:Choice>
-        <mc:Fallback>
+        <mc:Fallback xmlns="">
           <p:sp>
             <p:nvSpPr>
               <p:cNvPr id="97" name="TextBox 96">
@@ -11509,8 +11511,8 @@
           </p:sp>
         </mc:Fallback>
       </mc:AlternateContent>
-      <mc:AlternateContent xmlns:mc="http://schemas.openxmlformats.org/markup-compatibility/2006">
-        <mc:Choice xmlns:a14="http://schemas.microsoft.com/office/drawing/2010/main" Requires="a14">
+      <mc:AlternateContent xmlns:mc="http://schemas.openxmlformats.org/markup-compatibility/2006" xmlns:a14="http://schemas.microsoft.com/office/drawing/2010/main">
+        <mc:Choice Requires="a14">
           <p:sp>
             <p:nvSpPr>
               <p:cNvPr id="98" name="TextBox 97">
@@ -11560,7 +11562,7 @@
             </p:txBody>
           </p:sp>
         </mc:Choice>
-        <mc:Fallback>
+        <mc:Fallback xmlns="">
           <p:sp>
             <p:nvSpPr>
               <p:cNvPr id="98" name="TextBox 97">
@@ -11954,8 +11956,8 @@
           </a:p>
         </p:txBody>
       </p:sp>
-      <mc:AlternateContent xmlns:mc="http://schemas.openxmlformats.org/markup-compatibility/2006">
-        <mc:Choice xmlns:a14="http://schemas.microsoft.com/office/drawing/2010/main" Requires="a14">
+      <mc:AlternateContent xmlns:mc="http://schemas.openxmlformats.org/markup-compatibility/2006" xmlns:a14="http://schemas.microsoft.com/office/drawing/2010/main">
+        <mc:Choice Requires="a14">
           <p:sp>
             <p:nvSpPr>
               <p:cNvPr id="3" name="Content Placeholder 2">
@@ -12051,7 +12053,7 @@
             </p:txBody>
           </p:sp>
         </mc:Choice>
-        <mc:Fallback>
+        <mc:Fallback xmlns="">
           <p:sp>
             <p:nvSpPr>
               <p:cNvPr id="3" name="Content Placeholder 2">
@@ -13266,7 +13268,7 @@
                   <a:srgbClr val="FF0000"/>
                 </a:solidFill>
               </a:rPr>
-              <a:t>Subsistence level of consumption</a:t>
+              <a:t>No Single Correct Answer</a:t>
             </a:r>
             <a:endParaRPr lang="en-US" sz="500" dirty="0">
               <a:solidFill>
@@ -13620,7 +13622,7 @@
                   <a:srgbClr val="FF0000"/>
                 </a:solidFill>
               </a:rPr>
-              <a:t>Subsistence level of consumption</a:t>
+              <a:t>No Single Correct Answer</a:t>
             </a:r>
             <a:endParaRPr lang="en-US" sz="500" dirty="0">
               <a:solidFill>
@@ -13784,67 +13786,6 @@
                                           <p:spTgt spid="3">
                                             <p:txEl>
                                               <p:pRg st="0" end="0"/>
-                                            </p:txEl>
-                                          </p:spTgt>
-                                        </p:tgtEl>
-                                      </p:cBhvr>
-                                    </p:animEffect>
-                                  </p:childTnLst>
-                                </p:cTn>
-                              </p:par>
-                            </p:childTnLst>
-                          </p:cTn>
-                        </p:par>
-                      </p:childTnLst>
-                    </p:cTn>
-                  </p:par>
-                  <p:par>
-                    <p:cTn id="8" fill="hold">
-                      <p:stCondLst>
-                        <p:cond delay="indefinite"/>
-                      </p:stCondLst>
-                      <p:childTnLst>
-                        <p:par>
-                          <p:cTn id="9" fill="hold">
-                            <p:stCondLst>
-                              <p:cond delay="0"/>
-                            </p:stCondLst>
-                            <p:childTnLst>
-                              <p:par>
-                                <p:cTn id="10" presetID="10" presetClass="entr" presetSubtype="0" fill="hold" nodeType="clickEffect">
-                                  <p:stCondLst>
-                                    <p:cond delay="0"/>
-                                  </p:stCondLst>
-                                  <p:childTnLst>
-                                    <p:set>
-                                      <p:cBhvr>
-                                        <p:cTn id="11" dur="1" fill="hold">
-                                          <p:stCondLst>
-                                            <p:cond delay="0"/>
-                                          </p:stCondLst>
-                                        </p:cTn>
-                                        <p:tgtEl>
-                                          <p:spTgt spid="3">
-                                            <p:txEl>
-                                              <p:pRg st="2" end="2"/>
-                                            </p:txEl>
-                                          </p:spTgt>
-                                        </p:tgtEl>
-                                        <p:attrNameLst>
-                                          <p:attrName>style.visibility</p:attrName>
-                                        </p:attrNameLst>
-                                      </p:cBhvr>
-                                      <p:to>
-                                        <p:strVal val="visible"/>
-                                      </p:to>
-                                    </p:set>
-                                    <p:animEffect transition="in" filter="fade">
-                                      <p:cBhvr>
-                                        <p:cTn id="12" dur="500"/>
-                                        <p:tgtEl>
-                                          <p:spTgt spid="3">
-                                            <p:txEl>
-                                              <p:pRg st="2" end="2"/>
                                             </p:txEl>
                                           </p:spTgt>
                                         </p:tgtEl>
@@ -16876,8 +16817,8 @@
           </a:p>
         </p:txBody>
       </p:sp>
-      <mc:AlternateContent xmlns:mc="http://schemas.openxmlformats.org/markup-compatibility/2006">
-        <mc:Choice xmlns:a14="http://schemas.microsoft.com/office/drawing/2010/main" Requires="a14">
+      <mc:AlternateContent xmlns:mc="http://schemas.openxmlformats.org/markup-compatibility/2006" xmlns:a14="http://schemas.microsoft.com/office/drawing/2010/main">
+        <mc:Choice Requires="a14">
           <p:sp>
             <p:nvSpPr>
               <p:cNvPr id="3" name="Content Placeholder 2">
@@ -17013,7 +16954,7 @@
             </p:txBody>
           </p:sp>
         </mc:Choice>
-        <mc:Fallback>
+        <mc:Fallback xmlns="">
           <p:sp>
             <p:nvSpPr>
               <p:cNvPr id="3" name="Content Placeholder 2">
